--- a/print/precal_10_1.pptx
+++ b/print/precal_10_1.pptx
@@ -19,6 +19,7 @@
     <p:sldId id="264" r:id="rId16"/>
     <p:sldId id="265" r:id="rId17"/>
     <p:sldId id="266" r:id="rId18"/>
+    <p:sldId id="267" r:id="rId19"/>
   </p:sldIdLst>
   <p:sldSz cx="9144000" cy="5143500"/>
   <p:notesSz cx="6858000" cy="9144000"/>
@@ -1066,7 +1067,7 @@
       </p:grpSpPr>
       <p:sp>
         <p:nvSpPr>
-          <p:cNvPr id="249" name="Shape 249"/>
+          <p:cNvPr id="251" name="Shape 251"/>
           <p:cNvSpPr/>
           <p:nvPr>
             <p:ph type="sldImg"/>
@@ -1087,7 +1088,7 @@
       </p:sp>
       <p:sp>
         <p:nvSpPr>
-          <p:cNvPr id="250" name="Shape 250"/>
+          <p:cNvPr id="252" name="Shape 252"/>
           <p:cNvSpPr/>
           <p:nvPr>
             <p:ph type="body" sz="quarter" idx="1"/>
@@ -5949,9 +5950,64 @@
           <a:chExt cx="0" cy="0"/>
         </a:xfrm>
       </p:grpSpPr>
+      <p:pic>
+        <p:nvPicPr>
+          <p:cNvPr id="246" name="Image" descr="Image"/>
+          <p:cNvPicPr>
+            <a:picLocks noChangeAspect="1"/>
+          </p:cNvPicPr>
+          <p:nvPr/>
+        </p:nvPicPr>
+        <p:blipFill>
+          <a:blip r:embed="rId2">
+            <a:extLst/>
+          </a:blip>
+          <a:stretch>
+            <a:fillRect/>
+          </a:stretch>
+        </p:blipFill>
+        <p:spPr>
+          <a:xfrm>
+            <a:off x="2823139" y="156538"/>
+            <a:ext cx="3050265" cy="4542947"/>
+          </a:xfrm>
+          <a:prstGeom prst="rect">
+            <a:avLst/>
+          </a:prstGeom>
+          <a:ln w="12700">
+            <a:miter lim="400000"/>
+          </a:ln>
+        </p:spPr>
+      </p:pic>
+    </p:spTree>
+  </p:cSld>
+  <p:clrMapOvr>
+    <a:masterClrMapping/>
+  </p:clrMapOvr>
+  <p:transition xmlns:p14="http://schemas.microsoft.com/office/powerpoint/2010/main" spd="med" advClick="1"/>
+</p:sld>
+</file>
+
+<file path=ppt/slides/slide12.xml><?xml version="1.0" encoding="utf-8"?>
+<p:sld xmlns:a="http://schemas.openxmlformats.org/drawingml/2006/main" xmlns:r="http://schemas.openxmlformats.org/officeDocument/2006/relationships" xmlns:p="http://schemas.openxmlformats.org/presentationml/2006/main" xmlns:m="http://schemas.openxmlformats.org/officeDocument/2006/math" xmlns:a14="http://schemas.microsoft.com/office/drawing/2010/main" showMasterSp="1" showMasterPhAnim="1">
+  <p:cSld>
+    <p:spTree>
+      <p:nvGrpSpPr>
+        <p:cNvPr id="1" name=""/>
+        <p:cNvGrpSpPr/>
+        <p:nvPr/>
+      </p:nvGrpSpPr>
+      <p:grpSpPr>
+        <a:xfrm>
+          <a:off x="0" y="0"/>
+          <a:ext cx="0" cy="0"/>
+          <a:chOff x="0" y="0"/>
+          <a:chExt cx="0" cy="0"/>
+        </a:xfrm>
+      </p:grpSpPr>
       <p:sp>
         <p:nvSpPr>
-          <p:cNvPr id="246" name="d"/>
+          <p:cNvPr id="248" name="d"/>
           <p:cNvSpPr txBox="1"/>
           <p:nvPr>
             <p:ph type="title"/>
@@ -5979,7 +6035,7 @@
       </p:sp>
       <p:sp>
         <p:nvSpPr>
-          <p:cNvPr id="247" name="Google Shape;118;p19"/>
+          <p:cNvPr id="249" name="Google Shape;118;p19"/>
           <p:cNvSpPr txBox="1"/>
           <p:nvPr/>
         </p:nvSpPr>
@@ -6051,7 +6107,7 @@
       </p:sp>
       <p:sp>
         <p:nvSpPr>
-          <p:cNvPr id="248" name="For each problem that you got wrong on assessment #2:…"/>
+          <p:cNvPr id="250" name="For each problem that you got wrong on assessment #2:…"/>
           <p:cNvSpPr txBox="1"/>
           <p:nvPr/>
         </p:nvSpPr>
@@ -8393,9 +8449,9 @@
       </p:par>
     </p:tnLst>
     <p:bldLst>
+      <p:bldP build="whole" bldLvl="1" animBg="1" rev="0" advAuto="0" spid="204" grpId="5"/>
       <p:bldP build="p" bldLvl="5" animBg="1" rev="0" advAuto="0" spid="199" grpId="3"/>
       <p:bldP build="whole" bldLvl="1" animBg="1" rev="0" advAuto="0" spid="203" grpId="4"/>
-      <p:bldP build="whole" bldLvl="1" animBg="1" rev="0" advAuto="0" spid="204" grpId="5"/>
       <p:bldP build="whole" bldLvl="1" animBg="1" rev="0" advAuto="0" spid="205" grpId="1"/>
       <p:bldP build="whole" bldLvl="1" animBg="1" rev="0" advAuto="0" spid="205" grpId="2"/>
     </p:bldLst>
